--- a/presentation.pptx
+++ b/presentation.pptx
@@ -21,7 +21,8 @@
     <p:sldId id="268" r:id="rId15"/>
     <p:sldId id="272" r:id="rId16"/>
     <p:sldId id="274" r:id="rId17"/>
-    <p:sldId id="264" r:id="rId18"/>
+    <p:sldId id="275" r:id="rId18"/>
+    <p:sldId id="264" r:id="rId19"/>
   </p:sldIdLst>
   <p:sldSz cx="12192000" cy="6858000"/>
   <p:notesSz cx="6858000" cy="9144000"/>
@@ -120,6 +121,11 @@
       </a:defRPr>
     </a:lvl9pPr>
   </p:defaultTextStyle>
+  <p:extLst>
+    <p:ext uri="{EFAFB233-063F-42B5-8137-9DF3F51BA10A}">
+      <p15:sldGuideLst xmlns:p15="http://schemas.microsoft.com/office/powerpoint/2012/main"/>
+    </p:ext>
+  </p:extLst>
 </p:presentation>
 </file>
 
@@ -270,7 +276,7 @@
           <a:p>
             <a:fld id="{08D01F48-E0E3-A044-AA1C-EFE0FABCDF46}" type="datetimeFigureOut">
               <a:rPr lang="en-US" smtClean="0"/>
-              <a:t>3/3/23</a:t>
+              <a:t>3/13/23</a:t>
             </a:fld>
             <a:endParaRPr lang="en-US"/>
           </a:p>
@@ -468,7 +474,7 @@
           <a:p>
             <a:fld id="{08D01F48-E0E3-A044-AA1C-EFE0FABCDF46}" type="datetimeFigureOut">
               <a:rPr lang="en-US" smtClean="0"/>
-              <a:t>3/3/23</a:t>
+              <a:t>3/13/23</a:t>
             </a:fld>
             <a:endParaRPr lang="en-US"/>
           </a:p>
@@ -676,7 +682,7 @@
           <a:p>
             <a:fld id="{08D01F48-E0E3-A044-AA1C-EFE0FABCDF46}" type="datetimeFigureOut">
               <a:rPr lang="en-US" smtClean="0"/>
-              <a:t>3/3/23</a:t>
+              <a:t>3/13/23</a:t>
             </a:fld>
             <a:endParaRPr lang="en-US"/>
           </a:p>
@@ -874,7 +880,7 @@
           <a:p>
             <a:fld id="{08D01F48-E0E3-A044-AA1C-EFE0FABCDF46}" type="datetimeFigureOut">
               <a:rPr lang="en-US" smtClean="0"/>
-              <a:t>3/3/23</a:t>
+              <a:t>3/13/23</a:t>
             </a:fld>
             <a:endParaRPr lang="en-US"/>
           </a:p>
@@ -1149,7 +1155,7 @@
           <a:p>
             <a:fld id="{08D01F48-E0E3-A044-AA1C-EFE0FABCDF46}" type="datetimeFigureOut">
               <a:rPr lang="en-US" smtClean="0"/>
-              <a:t>3/3/23</a:t>
+              <a:t>3/13/23</a:t>
             </a:fld>
             <a:endParaRPr lang="en-US"/>
           </a:p>
@@ -1414,7 +1420,7 @@
           <a:p>
             <a:fld id="{08D01F48-E0E3-A044-AA1C-EFE0FABCDF46}" type="datetimeFigureOut">
               <a:rPr lang="en-US" smtClean="0"/>
-              <a:t>3/3/23</a:t>
+              <a:t>3/13/23</a:t>
             </a:fld>
             <a:endParaRPr lang="en-US"/>
           </a:p>
@@ -1826,7 +1832,7 @@
           <a:p>
             <a:fld id="{08D01F48-E0E3-A044-AA1C-EFE0FABCDF46}" type="datetimeFigureOut">
               <a:rPr lang="en-US" smtClean="0"/>
-              <a:t>3/3/23</a:t>
+              <a:t>3/13/23</a:t>
             </a:fld>
             <a:endParaRPr lang="en-US"/>
           </a:p>
@@ -1967,7 +1973,7 @@
           <a:p>
             <a:fld id="{08D01F48-E0E3-A044-AA1C-EFE0FABCDF46}" type="datetimeFigureOut">
               <a:rPr lang="en-US" smtClean="0"/>
-              <a:t>3/3/23</a:t>
+              <a:t>3/13/23</a:t>
             </a:fld>
             <a:endParaRPr lang="en-US"/>
           </a:p>
@@ -2080,7 +2086,7 @@
           <a:p>
             <a:fld id="{08D01F48-E0E3-A044-AA1C-EFE0FABCDF46}" type="datetimeFigureOut">
               <a:rPr lang="en-US" smtClean="0"/>
-              <a:t>3/3/23</a:t>
+              <a:t>3/13/23</a:t>
             </a:fld>
             <a:endParaRPr lang="en-US"/>
           </a:p>
@@ -2391,7 +2397,7 @@
           <a:p>
             <a:fld id="{08D01F48-E0E3-A044-AA1C-EFE0FABCDF46}" type="datetimeFigureOut">
               <a:rPr lang="en-US" smtClean="0"/>
-              <a:t>3/3/23</a:t>
+              <a:t>3/13/23</a:t>
             </a:fld>
             <a:endParaRPr lang="en-US"/>
           </a:p>
@@ -2679,7 +2685,7 @@
           <a:p>
             <a:fld id="{08D01F48-E0E3-A044-AA1C-EFE0FABCDF46}" type="datetimeFigureOut">
               <a:rPr lang="en-US" smtClean="0"/>
-              <a:t>3/3/23</a:t>
+              <a:t>3/13/23</a:t>
             </a:fld>
             <a:endParaRPr lang="en-US"/>
           </a:p>
@@ -2930,7 +2936,7 @@
           <a:p>
             <a:fld id="{08D01F48-E0E3-A044-AA1C-EFE0FABCDF46}" type="datetimeFigureOut">
               <a:rPr lang="en-US" smtClean="0"/>
-              <a:t>3/3/23</a:t>
+              <a:t>3/13/23</a:t>
             </a:fld>
             <a:endParaRPr lang="en-US"/>
           </a:p>
@@ -6124,8 +6130,8 @@
         </p:nvSpPr>
         <p:spPr>
           <a:xfrm>
-            <a:off x="1574800" y="2151727"/>
-            <a:ext cx="9042400" cy="4031873"/>
+            <a:off x="1574800" y="516565"/>
+            <a:ext cx="9042400" cy="4216539"/>
           </a:xfrm>
           <a:prstGeom prst="rect">
             <a:avLst/>
@@ -6140,9 +6146,15 @@
           <a:p>
             <a:pPr algn="ctr"/>
             <a:r>
-              <a:rPr lang="en-US" sz="3200" b="1" u="sng" dirty="0"/>
-              <a:t>Recommendations:</a:t>
-            </a:r>
+              <a:rPr lang="en-US" sz="4400" b="1" u="sng" dirty="0"/>
+              <a:t>Recommendation #1:</a:t>
+            </a:r>
+          </a:p>
+          <a:p>
+            <a:endParaRPr lang="en-US" sz="3200" dirty="0"/>
+          </a:p>
+          <a:p>
+            <a:endParaRPr lang="en-US" sz="3200" dirty="0"/>
           </a:p>
           <a:p>
             <a:endParaRPr lang="en-US" sz="3200" dirty="0"/>
@@ -6154,17 +6166,7 @@
             </a:pPr>
             <a:r>
               <a:rPr lang="en-US" sz="3200" dirty="0"/>
-              <a:t>use this model cautiously to educate yourselves about broader trends in the Seattle metro area</a:t>
-            </a:r>
-          </a:p>
-          <a:p>
-            <a:pPr marL="457200" indent="-457200">
-              <a:buFont typeface="Arial" panose="020B0604020202020204" pitchFamily="34" charset="0"/>
-              <a:buChar char="•"/>
-            </a:pPr>
-            <a:r>
-              <a:rPr lang="en-US" sz="3200" dirty="0"/>
-              <a:t>commission further study to revise this model into more nuanced versions applicable to different sub-regions, i.e. generate different models for each zip code level</a:t>
+              <a:t>Starting from a baseline of $806,800, add (or subtract) 64 cents for every $1 that the median home value (nearest 20-30 recent listings) exceeds (or falls short of) $1 million.</a:t>
             </a:r>
           </a:p>
         </p:txBody>
@@ -6183,6 +6185,103 @@
 </file>
 
 <file path=ppt/slides/slide17.xml><?xml version="1.0" encoding="utf-8"?>
+<p:sld xmlns:a="http://schemas.openxmlformats.org/drawingml/2006/main" xmlns:r="http://schemas.openxmlformats.org/officeDocument/2006/relationships" xmlns:p="http://schemas.openxmlformats.org/presentationml/2006/main">
+  <p:cSld>
+    <p:spTree>
+      <p:nvGrpSpPr>
+        <p:cNvPr id="1" name=""/>
+        <p:cNvGrpSpPr/>
+        <p:nvPr/>
+      </p:nvGrpSpPr>
+      <p:grpSpPr>
+        <a:xfrm>
+          <a:off x="0" y="0"/>
+          <a:ext cx="0" cy="0"/>
+          <a:chOff x="0" y="0"/>
+          <a:chExt cx="0" cy="0"/>
+        </a:xfrm>
+      </p:grpSpPr>
+      <p:sp>
+        <p:nvSpPr>
+          <p:cNvPr id="4" name="TextBox 3">
+            <a:extLst>
+              <a:ext uri="{FF2B5EF4-FFF2-40B4-BE49-F238E27FC236}">
+                <a16:creationId xmlns:a16="http://schemas.microsoft.com/office/drawing/2014/main" id="{9696B0BF-5DA7-57AD-D5E0-8D7F6962E536}"/>
+              </a:ext>
+            </a:extLst>
+          </p:cNvPr>
+          <p:cNvSpPr txBox="1"/>
+          <p:nvPr/>
+        </p:nvSpPr>
+        <p:spPr>
+          <a:xfrm>
+            <a:off x="1574800" y="516565"/>
+            <a:ext cx="9042400" cy="4216539"/>
+          </a:xfrm>
+          <a:prstGeom prst="rect">
+            <a:avLst/>
+          </a:prstGeom>
+          <a:noFill/>
+        </p:spPr>
+        <p:txBody>
+          <a:bodyPr wrap="square" rtlCol="0">
+            <a:spAutoFit/>
+          </a:bodyPr>
+          <a:lstStyle/>
+          <a:p>
+            <a:pPr algn="ctr"/>
+            <a:r>
+              <a:rPr lang="en-US" sz="4400" b="1" u="sng" dirty="0"/>
+              <a:t>Recommendation #2:</a:t>
+            </a:r>
+          </a:p>
+          <a:p>
+            <a:endParaRPr lang="en-US" sz="3200" dirty="0"/>
+          </a:p>
+          <a:p>
+            <a:endParaRPr lang="en-US" sz="3200" dirty="0"/>
+          </a:p>
+          <a:p>
+            <a:endParaRPr lang="en-US" sz="3200" dirty="0"/>
+          </a:p>
+          <a:p>
+            <a:pPr marL="457200" indent="-457200">
+              <a:buFont typeface="Arial" panose="020B0604020202020204" pitchFamily="34" charset="0"/>
+              <a:buChar char="•"/>
+            </a:pPr>
+            <a:r>
+              <a:rPr lang="en-US" sz="3200" dirty="0"/>
+              <a:t>Starting from a baseline of $806,800, add (or subtract) $60 </a:t>
+            </a:r>
+            <a:r>
+              <a:rPr lang="en-US" sz="3200" i="1" u="sng" dirty="0"/>
+              <a:t>per zip code level</a:t>
+            </a:r>
+            <a:r>
+              <a:rPr lang="en-US" sz="3200" u="sng" dirty="0"/>
+              <a:t> </a:t>
+            </a:r>
+            <a:r>
+              <a:rPr lang="en-US" sz="3200" dirty="0"/>
+              <a:t>for every square foot that the home’s living area exceeds (or falls short of) 2,000 square feet.</a:t>
+            </a:r>
+          </a:p>
+        </p:txBody>
+      </p:sp>
+    </p:spTree>
+    <p:extLst>
+      <p:ext uri="{BB962C8B-B14F-4D97-AF65-F5344CB8AC3E}">
+        <p14:creationId xmlns:p14="http://schemas.microsoft.com/office/powerpoint/2010/main" val="3008874847"/>
+      </p:ext>
+    </p:extLst>
+  </p:cSld>
+  <p:clrMapOvr>
+    <a:masterClrMapping/>
+  </p:clrMapOvr>
+</p:sld>
+</file>
+
+<file path=ppt/slides/slide18.xml><?xml version="1.0" encoding="utf-8"?>
 <p:sld xmlns:a="http://schemas.openxmlformats.org/drawingml/2006/main" xmlns:r="http://schemas.openxmlformats.org/officeDocument/2006/relationships" xmlns:p="http://schemas.openxmlformats.org/presentationml/2006/main">
   <p:cSld>
     <p:bg>
